--- a/2022_03_28/2022-3-28 - C++とRange - Siv3D勉強会.pptx
+++ b/2022_03_28/2022-3-28 - C++とRange - Siv3D勉強会.pptx
@@ -4749,7 +4749,7 @@
           <a:lstStyle/>
           <a:p>
             <a:r>
-              <a:rPr lang="en-US" altLang="ja-JP" sz="2000" dirty="0">
+              <a:rPr lang="en-US" altLang="ja-JP" sz="2200" dirty="0">
                 <a:solidFill>
                   <a:srgbClr val="DF5320"/>
                 </a:solidFill>
@@ -4760,7 +4760,7 @@
               <a:t>vector</a:t>
             </a:r>
             <a:r>
-              <a:rPr lang="en-US" altLang="ja-JP" sz="2000" dirty="0">
+              <a:rPr lang="en-US" altLang="ja-JP" sz="2200" dirty="0">
                 <a:solidFill>
                   <a:srgbClr val="68615E"/>
                 </a:solidFill>
@@ -4771,7 +4771,7 @@
               <a:t> v = { </a:t>
             </a:r>
             <a:r>
-              <a:rPr lang="en-US" altLang="ja-JP" sz="2000" dirty="0">
+              <a:rPr lang="en-US" altLang="ja-JP" sz="2200" dirty="0">
                 <a:solidFill>
                   <a:srgbClr val="DF5320"/>
                 </a:solidFill>
@@ -4782,7 +4782,7 @@
               <a:t>5</a:t>
             </a:r>
             <a:r>
-              <a:rPr lang="en-US" altLang="ja-JP" sz="2000" dirty="0">
+              <a:rPr lang="en-US" altLang="ja-JP" sz="2200" dirty="0">
                 <a:solidFill>
                   <a:srgbClr val="68615E"/>
                 </a:solidFill>
@@ -4793,7 +4793,7 @@
               <a:t>, </a:t>
             </a:r>
             <a:r>
-              <a:rPr lang="en-US" altLang="ja-JP" sz="2000" dirty="0">
+              <a:rPr lang="en-US" altLang="ja-JP" sz="2200" dirty="0">
                 <a:solidFill>
                   <a:srgbClr val="DF5320"/>
                 </a:solidFill>
@@ -4804,7 +4804,7 @@
               <a:t>2</a:t>
             </a:r>
             <a:r>
-              <a:rPr lang="en-US" altLang="ja-JP" sz="2000" dirty="0">
+              <a:rPr lang="en-US" altLang="ja-JP" sz="2200" dirty="0">
                 <a:solidFill>
                   <a:srgbClr val="68615E"/>
                 </a:solidFill>
@@ -4815,7 +4815,7 @@
               <a:t>, </a:t>
             </a:r>
             <a:r>
-              <a:rPr lang="en-US" altLang="ja-JP" sz="2000" dirty="0">
+              <a:rPr lang="en-US" altLang="ja-JP" sz="2200" dirty="0">
                 <a:solidFill>
                   <a:srgbClr val="DF5320"/>
                 </a:solidFill>
@@ -4826,7 +4826,7 @@
               <a:t>3</a:t>
             </a:r>
             <a:r>
-              <a:rPr lang="en-US" altLang="ja-JP" sz="2000" dirty="0">
+              <a:rPr lang="en-US" altLang="ja-JP" sz="2200" dirty="0">
                 <a:solidFill>
                   <a:srgbClr val="68615E"/>
                 </a:solidFill>
@@ -4837,7 +4837,7 @@
               <a:t>, </a:t>
             </a:r>
             <a:r>
-              <a:rPr lang="en-US" altLang="ja-JP" sz="2000" dirty="0">
+              <a:rPr lang="en-US" altLang="ja-JP" sz="2200" dirty="0">
                 <a:solidFill>
                   <a:srgbClr val="DF5320"/>
                 </a:solidFill>
@@ -4848,7 +4848,7 @@
               <a:t>1</a:t>
             </a:r>
             <a:r>
-              <a:rPr lang="en-US" altLang="ja-JP" sz="2000" dirty="0">
+              <a:rPr lang="en-US" altLang="ja-JP" sz="2200" dirty="0">
                 <a:solidFill>
                   <a:srgbClr val="68615E"/>
                 </a:solidFill>
@@ -4859,7 +4859,7 @@
               <a:t>, </a:t>
             </a:r>
             <a:r>
-              <a:rPr lang="en-US" altLang="ja-JP" sz="2000" dirty="0">
+              <a:rPr lang="en-US" altLang="ja-JP" sz="2200" dirty="0">
                 <a:solidFill>
                   <a:srgbClr val="DF5320"/>
                 </a:solidFill>
@@ -4870,7 +4870,7 @@
               <a:t>4</a:t>
             </a:r>
             <a:r>
-              <a:rPr lang="en-US" altLang="ja-JP" sz="2000" dirty="0">
+              <a:rPr lang="en-US" altLang="ja-JP" sz="2200" dirty="0">
                 <a:solidFill>
                   <a:srgbClr val="68615E"/>
                 </a:solidFill>
@@ -4883,7 +4883,7 @@
           </a:p>
           <a:p>
             <a:r>
-              <a:rPr lang="en-US" altLang="ja-JP" sz="2000" dirty="0">
+              <a:rPr lang="en-US" altLang="ja-JP" sz="2200" dirty="0">
                 <a:solidFill>
                   <a:srgbClr val="68615E"/>
                 </a:solidFill>
@@ -4894,7 +4894,7 @@
               <a:t>sort(</a:t>
             </a:r>
             <a:r>
-              <a:rPr lang="en-US" altLang="ja-JP" sz="2000" dirty="0" err="1">
+              <a:rPr lang="en-US" altLang="ja-JP" sz="2200" dirty="0" err="1">
                 <a:solidFill>
                   <a:srgbClr val="68615E"/>
                 </a:solidFill>
@@ -4905,7 +4905,7 @@
               <a:t>v.begin</a:t>
             </a:r>
             <a:r>
-              <a:rPr lang="en-US" altLang="ja-JP" sz="2000" dirty="0">
+              <a:rPr lang="en-US" altLang="ja-JP" sz="2200" dirty="0">
                 <a:solidFill>
                   <a:srgbClr val="68615E"/>
                 </a:solidFill>
@@ -4916,7 +4916,7 @@
               <a:t>(), </a:t>
             </a:r>
             <a:r>
-              <a:rPr lang="en-US" altLang="ja-JP" sz="2000" dirty="0" err="1">
+              <a:rPr lang="en-US" altLang="ja-JP" sz="2200" dirty="0" err="1">
                 <a:solidFill>
                   <a:srgbClr val="68615E"/>
                 </a:solidFill>
@@ -4927,7 +4927,7 @@
               <a:t>v.end</a:t>
             </a:r>
             <a:r>
-              <a:rPr lang="en-US" altLang="ja-JP" sz="2000" dirty="0">
+              <a:rPr lang="en-US" altLang="ja-JP" sz="2200" dirty="0">
                 <a:solidFill>
                   <a:srgbClr val="68615E"/>
                 </a:solidFill>
@@ -4998,7 +4998,7 @@
           <a:lstStyle/>
           <a:p>
             <a:r>
-              <a:rPr lang="en-US" altLang="ja-JP" sz="2000" dirty="0">
+              <a:rPr lang="en-US" altLang="ja-JP" sz="2200" dirty="0">
                 <a:solidFill>
                   <a:srgbClr val="DF5320"/>
                 </a:solidFill>
@@ -5009,7 +5009,7 @@
               <a:t>vector</a:t>
             </a:r>
             <a:r>
-              <a:rPr lang="en-US" altLang="ja-JP" sz="2000" dirty="0">
+              <a:rPr lang="en-US" altLang="ja-JP" sz="2200" dirty="0">
                 <a:solidFill>
                   <a:srgbClr val="68615E"/>
                 </a:solidFill>
@@ -5020,7 +5020,7 @@
               <a:t> v = { </a:t>
             </a:r>
             <a:r>
-              <a:rPr lang="en-US" altLang="ja-JP" sz="2000" dirty="0">
+              <a:rPr lang="en-US" altLang="ja-JP" sz="2200" dirty="0">
                 <a:solidFill>
                   <a:srgbClr val="DF5320"/>
                 </a:solidFill>
@@ -5031,7 +5031,7 @@
               <a:t>5</a:t>
             </a:r>
             <a:r>
-              <a:rPr lang="en-US" altLang="ja-JP" sz="2000" dirty="0">
+              <a:rPr lang="en-US" altLang="ja-JP" sz="2200" dirty="0">
                 <a:solidFill>
                   <a:srgbClr val="68615E"/>
                 </a:solidFill>
@@ -5042,7 +5042,7 @@
               <a:t>, </a:t>
             </a:r>
             <a:r>
-              <a:rPr lang="en-US" altLang="ja-JP" sz="2000" dirty="0">
+              <a:rPr lang="en-US" altLang="ja-JP" sz="2200" dirty="0">
                 <a:solidFill>
                   <a:srgbClr val="DF5320"/>
                 </a:solidFill>
@@ -5053,7 +5053,7 @@
               <a:t>2</a:t>
             </a:r>
             <a:r>
-              <a:rPr lang="en-US" altLang="ja-JP" sz="2000" dirty="0">
+              <a:rPr lang="en-US" altLang="ja-JP" sz="2200" dirty="0">
                 <a:solidFill>
                   <a:srgbClr val="68615E"/>
                 </a:solidFill>
@@ -5064,7 +5064,7 @@
               <a:t>, </a:t>
             </a:r>
             <a:r>
-              <a:rPr lang="en-US" altLang="ja-JP" sz="2000" dirty="0">
+              <a:rPr lang="en-US" altLang="ja-JP" sz="2200" dirty="0">
                 <a:solidFill>
                   <a:srgbClr val="DF5320"/>
                 </a:solidFill>
@@ -5075,7 +5075,7 @@
               <a:t>3</a:t>
             </a:r>
             <a:r>
-              <a:rPr lang="en-US" altLang="ja-JP" sz="2000" dirty="0">
+              <a:rPr lang="en-US" altLang="ja-JP" sz="2200" dirty="0">
                 <a:solidFill>
                   <a:srgbClr val="68615E"/>
                 </a:solidFill>
@@ -5086,7 +5086,7 @@
               <a:t>, </a:t>
             </a:r>
             <a:r>
-              <a:rPr lang="en-US" altLang="ja-JP" sz="2000" dirty="0">
+              <a:rPr lang="en-US" altLang="ja-JP" sz="2200" dirty="0">
                 <a:solidFill>
                   <a:srgbClr val="DF5320"/>
                 </a:solidFill>
@@ -5097,7 +5097,7 @@
               <a:t>1</a:t>
             </a:r>
             <a:r>
-              <a:rPr lang="en-US" altLang="ja-JP" sz="2000" dirty="0">
+              <a:rPr lang="en-US" altLang="ja-JP" sz="2200" dirty="0">
                 <a:solidFill>
                   <a:srgbClr val="68615E"/>
                 </a:solidFill>
@@ -5108,7 +5108,7 @@
               <a:t>, </a:t>
             </a:r>
             <a:r>
-              <a:rPr lang="en-US" altLang="ja-JP" sz="2000" dirty="0">
+              <a:rPr lang="en-US" altLang="ja-JP" sz="2200" dirty="0">
                 <a:solidFill>
                   <a:srgbClr val="DF5320"/>
                 </a:solidFill>
@@ -5119,7 +5119,7 @@
               <a:t>4</a:t>
             </a:r>
             <a:r>
-              <a:rPr lang="en-US" altLang="ja-JP" sz="2000" dirty="0">
+              <a:rPr lang="en-US" altLang="ja-JP" sz="2200" dirty="0">
                 <a:solidFill>
                   <a:srgbClr val="68615E"/>
                 </a:solidFill>
@@ -5132,7 +5132,7 @@
           </a:p>
           <a:p>
             <a:r>
-              <a:rPr lang="en-US" altLang="ja-JP" sz="2000" dirty="0" err="1">
+              <a:rPr lang="en-US" altLang="ja-JP" sz="2200" dirty="0" err="1">
                 <a:solidFill>
                   <a:srgbClr val="68615E"/>
                 </a:solidFill>
@@ -5143,7 +5143,7 @@
               <a:t>ranegs</a:t>
             </a:r>
             <a:r>
-              <a:rPr lang="en-US" altLang="ja-JP" sz="2000" dirty="0">
+              <a:rPr lang="en-US" altLang="ja-JP" sz="2200" dirty="0">
                 <a:solidFill>
                   <a:srgbClr val="68615E"/>
                 </a:solidFill>
@@ -5354,8 +5354,8 @@
         </p:nvCxnSpPr>
         <p:spPr>
           <a:xfrm>
-            <a:off x="1611377" y="3005161"/>
-            <a:ext cx="2789853" cy="0"/>
+            <a:off x="1637256" y="2970655"/>
+            <a:ext cx="3193536" cy="0"/>
           </a:xfrm>
           <a:prstGeom prst="line">
             <a:avLst/>
@@ -5398,7 +5398,7 @@
         </p:nvCxnSpPr>
         <p:spPr>
           <a:xfrm>
-            <a:off x="2668555" y="5563158"/>
+            <a:off x="2866963" y="5563158"/>
             <a:ext cx="513620" cy="0"/>
           </a:xfrm>
           <a:prstGeom prst="line">
@@ -6410,7 +6410,7 @@
               </a:rPr>
               <a:t>&gt; v{n};</a:t>
             </a:r>
-            <a:endParaRPr kumimoji="1" lang="en-US" altLang="ja-JP" sz="1800" kern="1200" dirty="0">
+            <a:endParaRPr kumimoji="1" lang="en-US" altLang="ja-JP" kern="1200" dirty="0">
               <a:solidFill>
                 <a:srgbClr val="68615E"/>
               </a:solidFill>
@@ -6430,7 +6430,7 @@
               </a:spcAft>
             </a:pPr>
             <a:r>
-              <a:rPr kumimoji="1" lang="en-US" altLang="ja-JP" sz="1800" kern="1200" dirty="0">
+              <a:rPr kumimoji="1" lang="en-US" altLang="ja-JP" kern="1200" dirty="0">
                 <a:solidFill>
                   <a:srgbClr val="68615E"/>
                 </a:solidFill>
@@ -6442,7 +6442,7 @@
               <a:t>iota(</a:t>
             </a:r>
             <a:r>
-              <a:rPr kumimoji="1" lang="en-US" altLang="ja-JP" sz="1800" kern="1200" dirty="0" err="1">
+              <a:rPr kumimoji="1" lang="en-US" altLang="ja-JP" kern="1200" dirty="0" err="1">
                 <a:solidFill>
                   <a:srgbClr val="68615E"/>
                 </a:solidFill>
@@ -6454,7 +6454,7 @@
               <a:t>v.begin</a:t>
             </a:r>
             <a:r>
-              <a:rPr kumimoji="1" lang="en-US" altLang="ja-JP" sz="1800" kern="1200" dirty="0">
+              <a:rPr kumimoji="1" lang="en-US" altLang="ja-JP" kern="1200" dirty="0">
                 <a:solidFill>
                   <a:srgbClr val="68615E"/>
                 </a:solidFill>
@@ -6466,7 +6466,7 @@
               <a:t>(), </a:t>
             </a:r>
             <a:r>
-              <a:rPr kumimoji="1" lang="en-US" altLang="ja-JP" sz="1800" kern="1200" dirty="0" err="1">
+              <a:rPr kumimoji="1" lang="en-US" altLang="ja-JP" kern="1200" dirty="0" err="1">
                 <a:solidFill>
                   <a:srgbClr val="68615E"/>
                 </a:solidFill>
@@ -6478,7 +6478,7 @@
               <a:t>v.end</a:t>
             </a:r>
             <a:r>
-              <a:rPr kumimoji="1" lang="en-US" altLang="ja-JP" sz="1800" kern="1200" dirty="0">
+              <a:rPr kumimoji="1" lang="en-US" altLang="ja-JP" kern="1200" dirty="0">
                 <a:solidFill>
                   <a:srgbClr val="68615E"/>
                 </a:solidFill>
@@ -6490,7 +6490,7 @@
               <a:t>(), </a:t>
             </a:r>
             <a:r>
-              <a:rPr kumimoji="1" lang="en-US" altLang="ja-JP" sz="1800" kern="1200" dirty="0">
+              <a:rPr kumimoji="1" lang="en-US" altLang="ja-JP" kern="1200" dirty="0">
                 <a:solidFill>
                   <a:srgbClr val="DF5320"/>
                 </a:solidFill>
@@ -6502,7 +6502,7 @@
               <a:t>1</a:t>
             </a:r>
             <a:r>
-              <a:rPr kumimoji="1" lang="en-US" altLang="ja-JP" sz="1800" kern="1200" dirty="0">
+              <a:rPr kumimoji="1" lang="en-US" altLang="ja-JP" kern="1200" dirty="0">
                 <a:solidFill>
                   <a:srgbClr val="68615E"/>
                 </a:solidFill>
@@ -6538,8 +6538,8 @@
         </p:nvCxnSpPr>
         <p:spPr>
           <a:xfrm>
-            <a:off x="875423" y="2795391"/>
-            <a:ext cx="2050664" cy="0"/>
+            <a:off x="838200" y="2804018"/>
+            <a:ext cx="2209276" cy="0"/>
           </a:xfrm>
           <a:prstGeom prst="line">
             <a:avLst/>
@@ -6582,8 +6582,8 @@
         </p:nvCxnSpPr>
         <p:spPr>
           <a:xfrm>
-            <a:off x="914400" y="4953353"/>
-            <a:ext cx="2133076" cy="0"/>
+            <a:off x="838200" y="4953353"/>
+            <a:ext cx="2209276" cy="0"/>
           </a:xfrm>
           <a:prstGeom prst="line">
             <a:avLst/>

--- a/2022_03_28/2022-3-28 - C++とRange - Siv3D勉強会.pptx
+++ b/2022_03_28/2022-3-28 - C++とRange - Siv3D勉強会.pptx
@@ -203,7 +203,7 @@
           <a:p>
             <a:fld id="{33B39E16-DF25-4B27-8DF2-971225E294C2}" type="datetimeFigureOut">
               <a:rPr kumimoji="1" lang="ja-JP" altLang="en-US" smtClean="0"/>
-              <a:t>2022/3/27</a:t>
+              <a:t>2022/3/28</a:t>
             </a:fld>
             <a:endParaRPr kumimoji="1" lang="ja-JP" altLang="en-US"/>
           </a:p>
@@ -649,7 +649,7 @@
           <a:p>
             <a:fld id="{CE498D16-057F-4D33-90B1-93D29F523F05}" type="datetimeFigureOut">
               <a:rPr kumimoji="1" lang="ja-JP" altLang="en-US" smtClean="0"/>
-              <a:t>2022/3/27</a:t>
+              <a:t>2022/3/28</a:t>
             </a:fld>
             <a:endParaRPr kumimoji="1" lang="ja-JP" altLang="en-US"/>
           </a:p>
@@ -879,7 +879,7 @@
           <a:p>
             <a:fld id="{CE498D16-057F-4D33-90B1-93D29F523F05}" type="datetimeFigureOut">
               <a:rPr kumimoji="1" lang="ja-JP" altLang="en-US" smtClean="0"/>
-              <a:t>2022/3/27</a:t>
+              <a:t>2022/3/28</a:t>
             </a:fld>
             <a:endParaRPr kumimoji="1" lang="ja-JP" altLang="en-US"/>
           </a:p>
@@ -1119,7 +1119,7 @@
           <a:p>
             <a:fld id="{CE498D16-057F-4D33-90B1-93D29F523F05}" type="datetimeFigureOut">
               <a:rPr kumimoji="1" lang="ja-JP" altLang="en-US" smtClean="0"/>
-              <a:t>2022/3/27</a:t>
+              <a:t>2022/3/28</a:t>
             </a:fld>
             <a:endParaRPr kumimoji="1" lang="ja-JP" altLang="en-US"/>
           </a:p>
@@ -1349,7 +1349,7 @@
           <a:p>
             <a:fld id="{CE498D16-057F-4D33-90B1-93D29F523F05}" type="datetimeFigureOut">
               <a:rPr kumimoji="1" lang="ja-JP" altLang="en-US" smtClean="0"/>
-              <a:t>2022/3/27</a:t>
+              <a:t>2022/3/28</a:t>
             </a:fld>
             <a:endParaRPr kumimoji="1" lang="ja-JP" altLang="en-US"/>
           </a:p>
@@ -1624,7 +1624,7 @@
           <a:p>
             <a:fld id="{CE498D16-057F-4D33-90B1-93D29F523F05}" type="datetimeFigureOut">
               <a:rPr kumimoji="1" lang="ja-JP" altLang="en-US" smtClean="0"/>
-              <a:t>2022/3/27</a:t>
+              <a:t>2022/3/28</a:t>
             </a:fld>
             <a:endParaRPr kumimoji="1" lang="ja-JP" altLang="en-US"/>
           </a:p>
@@ -1953,7 +1953,7 @@
           <a:p>
             <a:fld id="{CE498D16-057F-4D33-90B1-93D29F523F05}" type="datetimeFigureOut">
               <a:rPr kumimoji="1" lang="ja-JP" altLang="en-US" smtClean="0"/>
-              <a:t>2022/3/27</a:t>
+              <a:t>2022/3/28</a:t>
             </a:fld>
             <a:endParaRPr kumimoji="1" lang="ja-JP" altLang="en-US"/>
           </a:p>
@@ -2429,7 +2429,7 @@
           <a:p>
             <a:fld id="{CE498D16-057F-4D33-90B1-93D29F523F05}" type="datetimeFigureOut">
               <a:rPr kumimoji="1" lang="ja-JP" altLang="en-US" smtClean="0"/>
-              <a:t>2022/3/27</a:t>
+              <a:t>2022/3/28</a:t>
             </a:fld>
             <a:endParaRPr kumimoji="1" lang="ja-JP" altLang="en-US"/>
           </a:p>
@@ -2570,7 +2570,7 @@
           <a:p>
             <a:fld id="{CE498D16-057F-4D33-90B1-93D29F523F05}" type="datetimeFigureOut">
               <a:rPr kumimoji="1" lang="ja-JP" altLang="en-US" smtClean="0"/>
-              <a:t>2022/3/27</a:t>
+              <a:t>2022/3/28</a:t>
             </a:fld>
             <a:endParaRPr kumimoji="1" lang="ja-JP" altLang="en-US"/>
           </a:p>
@@ -2683,7 +2683,7 @@
           <a:p>
             <a:fld id="{CE498D16-057F-4D33-90B1-93D29F523F05}" type="datetimeFigureOut">
               <a:rPr kumimoji="1" lang="ja-JP" altLang="en-US" smtClean="0"/>
-              <a:t>2022/3/27</a:t>
+              <a:t>2022/3/28</a:t>
             </a:fld>
             <a:endParaRPr kumimoji="1" lang="ja-JP" altLang="en-US"/>
           </a:p>
@@ -3026,7 +3026,7 @@
           <a:p>
             <a:fld id="{CE498D16-057F-4D33-90B1-93D29F523F05}" type="datetimeFigureOut">
               <a:rPr kumimoji="1" lang="ja-JP" altLang="en-US" smtClean="0"/>
-              <a:t>2022/3/27</a:t>
+              <a:t>2022/3/28</a:t>
             </a:fld>
             <a:endParaRPr kumimoji="1" lang="ja-JP" altLang="en-US"/>
           </a:p>
@@ -3314,7 +3314,7 @@
           <a:p>
             <a:fld id="{CE498D16-057F-4D33-90B1-93D29F523F05}" type="datetimeFigureOut">
               <a:rPr kumimoji="1" lang="ja-JP" altLang="en-US" smtClean="0"/>
-              <a:t>2022/3/27</a:t>
+              <a:t>2022/3/28</a:t>
             </a:fld>
             <a:endParaRPr kumimoji="1" lang="ja-JP" altLang="en-US"/>
           </a:p>
@@ -3587,7 +3587,7 @@
           <a:p>
             <a:fld id="{CE498D16-057F-4D33-90B1-93D29F523F05}" type="datetimeFigureOut">
               <a:rPr kumimoji="1" lang="ja-JP" altLang="en-US" smtClean="0"/>
-              <a:t>2022/3/27</a:t>
+              <a:t>2022/3/28</a:t>
             </a:fld>
             <a:endParaRPr kumimoji="1" lang="ja-JP" altLang="en-US"/>
           </a:p>
@@ -5965,7 +5965,7 @@
                 <a:ea typeface="M+ 2p" panose="020B0503020203020204" pitchFamily="50" charset="-128"/>
                 <a:cs typeface="Cascadia Code" panose="020B0609020000020004" pitchFamily="49" charset="0"/>
               </a:rPr>
-              <a:t>&gt; v{n};</a:t>
+              <a:t>&gt; v(n);</a:t>
             </a:r>
             <a:endParaRPr kumimoji="1" lang="en-US" altLang="ja-JP" sz="1800" kern="1200" dirty="0">
               <a:solidFill>
@@ -6408,7 +6408,7 @@
                 <a:ea typeface="M+ 2p" panose="020B0503020203020204" pitchFamily="50" charset="-128"/>
                 <a:cs typeface="Cascadia Code" panose="020B0609020000020004" pitchFamily="49" charset="0"/>
               </a:rPr>
-              <a:t>&gt; v{n};</a:t>
+              <a:t>&gt; v(n);</a:t>
             </a:r>
             <a:endParaRPr kumimoji="1" lang="en-US" altLang="ja-JP" kern="1200" dirty="0">
               <a:solidFill>

--- a/2022_03_28/2022-3-28 - C++とRange - Siv3D勉強会.pptx
+++ b/2022_03_28/2022-3-28 - C++とRange - Siv3D勉強会.pptx
@@ -7823,7 +7823,7 @@
                 <a:ea typeface="M+ 2p" panose="020B0503020203020204" pitchFamily="50" charset="-128"/>
                 <a:cs typeface="Cascadia Code" panose="020B0609020000020004" pitchFamily="49" charset="0"/>
               </a:rPr>
-              <a:t>5</a:t>
+              <a:t>3</a:t>
             </a:r>
             <a:r>
               <a:rPr lang="en-US" altLang="ja-JP" dirty="0">

--- a/2022_03_28/2022-3-28 - C++とRange - Siv3D勉強会.pptx
+++ b/2022_03_28/2022-3-28 - C++とRange - Siv3D勉強会.pptx
@@ -7106,7 +7106,7 @@
                 <a:ea typeface="M+ 2p" panose="020B0503020203020204" pitchFamily="50" charset="-128"/>
                 <a:cs typeface="Cascadia Code" panose="020B0609020000020004" pitchFamily="49" charset="0"/>
               </a:rPr>
-              <a:t>1</a:t>
+              <a:t>6</a:t>
             </a:r>
             <a:r>
               <a:rPr lang="en-US" altLang="ja-JP" dirty="0">
@@ -7316,6 +7316,144 @@
               </a:rPr>
               <a:t>    {</a:t>
             </a:r>
+          </a:p>
+          <a:p>
+            <a:r>
+              <a:rPr lang="en-US" altLang="ja-JP" dirty="0">
+                <a:solidFill>
+                  <a:srgbClr val="68615E"/>
+                </a:solidFill>
+                <a:latin typeface="Consolas" panose="020B0609020204030204" pitchFamily="49" charset="0"/>
+                <a:ea typeface="M+ 2p" panose="020B0503020203020204" pitchFamily="50" charset="-128"/>
+                <a:cs typeface="Cascadia Code" panose="020B0609020000020004" pitchFamily="49" charset="0"/>
+              </a:rPr>
+              <a:t>        </a:t>
+            </a:r>
+            <a:r>
+              <a:rPr lang="en-US" altLang="ja-JP" dirty="0" err="1">
+                <a:solidFill>
+                  <a:srgbClr val="DF5320"/>
+                </a:solidFill>
+                <a:latin typeface="Consolas" panose="020B0609020204030204" pitchFamily="49" charset="0"/>
+                <a:ea typeface="M+ 2p" panose="020B0503020203020204" pitchFamily="50" charset="-128"/>
+                <a:cs typeface="Cascadia Code" panose="020B0609020000020004" pitchFamily="49" charset="0"/>
+              </a:rPr>
+              <a:t>cout</a:t>
+            </a:r>
+            <a:r>
+              <a:rPr lang="en-US" altLang="ja-JP" dirty="0">
+                <a:solidFill>
+                  <a:srgbClr val="68615E"/>
+                </a:solidFill>
+                <a:latin typeface="Consolas" panose="020B0609020204030204" pitchFamily="49" charset="0"/>
+                <a:ea typeface="M+ 2p" panose="020B0503020203020204" pitchFamily="50" charset="-128"/>
+                <a:cs typeface="Cascadia Code" panose="020B0609020000020004" pitchFamily="49" charset="0"/>
+              </a:rPr>
+              <a:t> &lt;&lt; n &lt;&lt; </a:t>
+            </a:r>
+            <a:r>
+              <a:rPr lang="en-US" altLang="ja-JP" dirty="0">
+                <a:solidFill>
+                  <a:srgbClr val="7B9726"/>
+                </a:solidFill>
+                <a:latin typeface="Consolas" panose="020B0609020204030204" pitchFamily="49" charset="0"/>
+                <a:ea typeface="M+ 2p" panose="020B0503020203020204" pitchFamily="50" charset="-128"/>
+                <a:cs typeface="Cascadia Code" panose="020B0609020000020004" pitchFamily="49" charset="0"/>
+              </a:rPr>
+              <a:t>" "</a:t>
+            </a:r>
+            <a:r>
+              <a:rPr lang="en-US" altLang="ja-JP" dirty="0">
+                <a:solidFill>
+                  <a:srgbClr val="68615E"/>
+                </a:solidFill>
+                <a:latin typeface="Consolas" panose="020B0609020204030204" pitchFamily="49" charset="0"/>
+                <a:ea typeface="M+ 2p" panose="020B0503020203020204" pitchFamily="50" charset="-128"/>
+                <a:cs typeface="Cascadia Code" panose="020B0609020000020004" pitchFamily="49" charset="0"/>
+              </a:rPr>
+              <a:t>;</a:t>
+            </a:r>
+          </a:p>
+          <a:p>
+            <a:r>
+              <a:rPr lang="en-US" altLang="ja-JP" dirty="0">
+                <a:solidFill>
+                  <a:srgbClr val="68615E"/>
+                </a:solidFill>
+                <a:latin typeface="Consolas" panose="020B0609020204030204" pitchFamily="49" charset="0"/>
+                <a:ea typeface="M+ 2p" panose="020B0503020203020204" pitchFamily="50" charset="-128"/>
+                <a:cs typeface="Cascadia Code" panose="020B0609020000020004" pitchFamily="49" charset="0"/>
+              </a:rPr>
+              <a:t>        ++count;</a:t>
+            </a:r>
+          </a:p>
+          <a:p>
+            <a:r>
+              <a:rPr lang="en-US" altLang="ja-JP" dirty="0">
+                <a:solidFill>
+                  <a:srgbClr val="6666EA"/>
+                </a:solidFill>
+                <a:latin typeface="Consolas" panose="020B0609020204030204" pitchFamily="49" charset="0"/>
+                <a:ea typeface="M+ 2p" panose="020B0503020203020204" pitchFamily="50" charset="-128"/>
+                <a:cs typeface="Cascadia Code" panose="020B0609020000020004" pitchFamily="49" charset="0"/>
+              </a:rPr>
+              <a:t>        if</a:t>
+            </a:r>
+            <a:r>
+              <a:rPr lang="en-US" altLang="ja-JP" dirty="0">
+                <a:solidFill>
+                  <a:srgbClr val="68615E"/>
+                </a:solidFill>
+                <a:latin typeface="Consolas" panose="020B0609020204030204" pitchFamily="49" charset="0"/>
+                <a:ea typeface="M+ 2p" panose="020B0503020203020204" pitchFamily="50" charset="-128"/>
+                <a:cs typeface="Cascadia Code" panose="020B0609020000020004" pitchFamily="49" charset="0"/>
+              </a:rPr>
+              <a:t> (count == </a:t>
+            </a:r>
+            <a:r>
+              <a:rPr lang="en-US" altLang="ja-JP" dirty="0">
+                <a:solidFill>
+                  <a:srgbClr val="DF5320"/>
+                </a:solidFill>
+                <a:latin typeface="Consolas" panose="020B0609020204030204" pitchFamily="49" charset="0"/>
+                <a:ea typeface="M+ 2p" panose="020B0503020203020204" pitchFamily="50" charset="-128"/>
+                <a:cs typeface="Cascadia Code" panose="020B0609020000020004" pitchFamily="49" charset="0"/>
+              </a:rPr>
+              <a:t>3</a:t>
+            </a:r>
+            <a:r>
+              <a:rPr lang="en-US" altLang="ja-JP" dirty="0">
+                <a:solidFill>
+                  <a:srgbClr val="68615E"/>
+                </a:solidFill>
+                <a:latin typeface="Consolas" panose="020B0609020204030204" pitchFamily="49" charset="0"/>
+                <a:ea typeface="M+ 2p" panose="020B0503020203020204" pitchFamily="50" charset="-128"/>
+                <a:cs typeface="Cascadia Code" panose="020B0609020000020004" pitchFamily="49" charset="0"/>
+              </a:rPr>
+              <a:t>) </a:t>
+            </a:r>
+            <a:r>
+              <a:rPr lang="en-US" altLang="ja-JP" dirty="0">
+                <a:solidFill>
+                  <a:srgbClr val="6666EA"/>
+                </a:solidFill>
+                <a:latin typeface="Consolas" panose="020B0609020204030204" pitchFamily="49" charset="0"/>
+                <a:ea typeface="M+ 2p" panose="020B0503020203020204" pitchFamily="50" charset="-128"/>
+                <a:cs typeface="Cascadia Code" panose="020B0609020000020004" pitchFamily="49" charset="0"/>
+              </a:rPr>
+              <a:t>break</a:t>
+            </a:r>
+            <a:r>
+              <a:rPr lang="en-US" altLang="ja-JP" dirty="0">
+                <a:solidFill>
+                  <a:srgbClr val="68615E"/>
+                </a:solidFill>
+                <a:latin typeface="Consolas" panose="020B0609020204030204" pitchFamily="49" charset="0"/>
+                <a:ea typeface="M+ 2p" panose="020B0503020203020204" pitchFamily="50" charset="-128"/>
+                <a:cs typeface="Cascadia Code" panose="020B0609020000020004" pitchFamily="49" charset="0"/>
+              </a:rPr>
+              <a:t>;</a:t>
+            </a:r>
             <a:br>
               <a:rPr lang="en-US" altLang="ja-JP" dirty="0">
                 <a:solidFill>
@@ -7335,188 +7473,10 @@
                 <a:ea typeface="M+ 2p" panose="020B0503020203020204" pitchFamily="50" charset="-128"/>
                 <a:cs typeface="Cascadia Code" panose="020B0609020000020004" pitchFamily="49" charset="0"/>
               </a:rPr>
-              <a:t>        </a:t>
-            </a:r>
-            <a:r>
-              <a:rPr lang="en-US" altLang="ja-JP" dirty="0" err="1">
-                <a:solidFill>
-                  <a:srgbClr val="DF5320"/>
-                </a:solidFill>
-                <a:latin typeface="Consolas" panose="020B0609020204030204" pitchFamily="49" charset="0"/>
-                <a:ea typeface="M+ 2p" panose="020B0503020203020204" pitchFamily="50" charset="-128"/>
-                <a:cs typeface="Cascadia Code" panose="020B0609020000020004" pitchFamily="49" charset="0"/>
-              </a:rPr>
-              <a:t>cout</a:t>
-            </a:r>
-            <a:r>
-              <a:rPr lang="en-US" altLang="ja-JP" dirty="0">
-                <a:solidFill>
-                  <a:srgbClr val="68615E"/>
-                </a:solidFill>
-                <a:latin typeface="Consolas" panose="020B0609020204030204" pitchFamily="49" charset="0"/>
-                <a:ea typeface="M+ 2p" panose="020B0503020203020204" pitchFamily="50" charset="-128"/>
-                <a:cs typeface="Cascadia Code" panose="020B0609020000020004" pitchFamily="49" charset="0"/>
-              </a:rPr>
-              <a:t> &lt;&lt; n &lt;&lt; </a:t>
-            </a:r>
-            <a:r>
-              <a:rPr lang="en-US" altLang="ja-JP" dirty="0">
-                <a:solidFill>
-                  <a:srgbClr val="7B9726"/>
-                </a:solidFill>
-                <a:latin typeface="Consolas" panose="020B0609020204030204" pitchFamily="49" charset="0"/>
-                <a:ea typeface="M+ 2p" panose="020B0503020203020204" pitchFamily="50" charset="-128"/>
-                <a:cs typeface="Cascadia Code" panose="020B0609020000020004" pitchFamily="49" charset="0"/>
-              </a:rPr>
-              <a:t>" "</a:t>
-            </a:r>
-            <a:r>
-              <a:rPr lang="en-US" altLang="ja-JP" dirty="0">
-                <a:solidFill>
-                  <a:srgbClr val="68615E"/>
-                </a:solidFill>
-                <a:latin typeface="Consolas" panose="020B0609020204030204" pitchFamily="49" charset="0"/>
-                <a:ea typeface="M+ 2p" panose="020B0503020203020204" pitchFamily="50" charset="-128"/>
-                <a:cs typeface="Cascadia Code" panose="020B0609020000020004" pitchFamily="49" charset="0"/>
-              </a:rPr>
-              <a:t>;</a:t>
-            </a:r>
-          </a:p>
-          <a:p>
-            <a:r>
-              <a:rPr lang="en-US" altLang="ja-JP" dirty="0">
-                <a:solidFill>
-                  <a:srgbClr val="68615E"/>
-                </a:solidFill>
-                <a:latin typeface="Consolas" panose="020B0609020204030204" pitchFamily="49" charset="0"/>
-                <a:ea typeface="M+ 2p" panose="020B0503020203020204" pitchFamily="50" charset="-128"/>
-                <a:cs typeface="Cascadia Code" panose="020B0609020000020004" pitchFamily="49" charset="0"/>
-              </a:rPr>
-              <a:t>        </a:t>
-            </a:r>
-            <a:r>
-              <a:rPr lang="en-US" altLang="ja-JP" dirty="0">
-                <a:solidFill>
-                  <a:srgbClr val="6666EA"/>
-                </a:solidFill>
-                <a:latin typeface="Consolas" panose="020B0609020204030204" pitchFamily="49" charset="0"/>
-                <a:ea typeface="M+ 2p" panose="020B0503020203020204" pitchFamily="50" charset="-128"/>
-                <a:cs typeface="Cascadia Code" panose="020B0609020000020004" pitchFamily="49" charset="0"/>
-              </a:rPr>
-              <a:t>if</a:t>
-            </a:r>
-            <a:r>
-              <a:rPr lang="en-US" altLang="ja-JP" dirty="0">
-                <a:solidFill>
-                  <a:srgbClr val="68615E"/>
-                </a:solidFill>
-                <a:latin typeface="Consolas" panose="020B0609020204030204" pitchFamily="49" charset="0"/>
-                <a:ea typeface="M+ 2p" panose="020B0503020203020204" pitchFamily="50" charset="-128"/>
-                <a:cs typeface="Cascadia Code" panose="020B0609020000020004" pitchFamily="49" charset="0"/>
-              </a:rPr>
-              <a:t> (count == </a:t>
-            </a:r>
-            <a:r>
-              <a:rPr lang="en-US" altLang="ja-JP" dirty="0">
-                <a:solidFill>
-                  <a:srgbClr val="DF5320"/>
-                </a:solidFill>
-                <a:latin typeface="Consolas" panose="020B0609020204030204" pitchFamily="49" charset="0"/>
-                <a:ea typeface="M+ 2p" panose="020B0503020203020204" pitchFamily="50" charset="-128"/>
-                <a:cs typeface="Cascadia Code" panose="020B0609020000020004" pitchFamily="49" charset="0"/>
-              </a:rPr>
-              <a:t>3</a:t>
-            </a:r>
-            <a:r>
-              <a:rPr lang="en-US" altLang="ja-JP" dirty="0">
-                <a:solidFill>
-                  <a:srgbClr val="68615E"/>
-                </a:solidFill>
-                <a:latin typeface="Consolas" panose="020B0609020204030204" pitchFamily="49" charset="0"/>
-                <a:ea typeface="M+ 2p" panose="020B0503020203020204" pitchFamily="50" charset="-128"/>
-                <a:cs typeface="Cascadia Code" panose="020B0609020000020004" pitchFamily="49" charset="0"/>
-              </a:rPr>
-              <a:t>)</a:t>
-            </a:r>
-          </a:p>
-          <a:p>
-            <a:r>
-              <a:rPr lang="en-US" altLang="ja-JP" dirty="0">
-                <a:solidFill>
-                  <a:srgbClr val="68615E"/>
-                </a:solidFill>
-                <a:latin typeface="Consolas" panose="020B0609020204030204" pitchFamily="49" charset="0"/>
-                <a:ea typeface="M+ 2p" panose="020B0503020203020204" pitchFamily="50" charset="-128"/>
-                <a:cs typeface="Cascadia Code" panose="020B0609020000020004" pitchFamily="49" charset="0"/>
-              </a:rPr>
-              <a:t>            </a:t>
-            </a:r>
-            <a:r>
-              <a:rPr lang="en-US" altLang="ja-JP" dirty="0">
-                <a:solidFill>
-                  <a:srgbClr val="6666EA"/>
-                </a:solidFill>
-                <a:latin typeface="Consolas" panose="020B0609020204030204" pitchFamily="49" charset="0"/>
-                <a:ea typeface="M+ 2p" panose="020B0503020203020204" pitchFamily="50" charset="-128"/>
-                <a:cs typeface="Cascadia Code" panose="020B0609020000020004" pitchFamily="49" charset="0"/>
-              </a:rPr>
-              <a:t>break</a:t>
-            </a:r>
-            <a:r>
-              <a:rPr lang="en-US" altLang="ja-JP" dirty="0">
-                <a:solidFill>
-                  <a:srgbClr val="68615E"/>
-                </a:solidFill>
-                <a:latin typeface="Consolas" panose="020B0609020204030204" pitchFamily="49" charset="0"/>
-                <a:ea typeface="M+ 2p" panose="020B0503020203020204" pitchFamily="50" charset="-128"/>
-                <a:cs typeface="Cascadia Code" panose="020B0609020000020004" pitchFamily="49" charset="0"/>
-              </a:rPr>
-              <a:t>;</a:t>
-            </a:r>
-          </a:p>
-          <a:p>
-            <a:r>
-              <a:rPr lang="en-US" altLang="ja-JP" dirty="0">
-                <a:solidFill>
-                  <a:srgbClr val="68615E"/>
-                </a:solidFill>
-                <a:latin typeface="Consolas" panose="020B0609020204030204" pitchFamily="49" charset="0"/>
-                <a:ea typeface="M+ 2p" panose="020B0503020203020204" pitchFamily="50" charset="-128"/>
-                <a:cs typeface="Cascadia Code" panose="020B0609020000020004" pitchFamily="49" charset="0"/>
-              </a:rPr>
-              <a:t>        ++count;</a:t>
-            </a:r>
-            <a:br>
-              <a:rPr lang="en-US" altLang="ja-JP" dirty="0">
-                <a:solidFill>
-                  <a:srgbClr val="68615E"/>
-                </a:solidFill>
-                <a:latin typeface="Consolas" panose="020B0609020204030204" pitchFamily="49" charset="0"/>
-                <a:ea typeface="M+ 2p" panose="020B0503020203020204" pitchFamily="50" charset="-128"/>
-                <a:cs typeface="Cascadia Code" panose="020B0609020000020004" pitchFamily="49" charset="0"/>
-              </a:rPr>
-            </a:br>
-            <a:r>
-              <a:rPr lang="en-US" altLang="ja-JP" dirty="0">
-                <a:solidFill>
-                  <a:srgbClr val="68615E"/>
-                </a:solidFill>
-                <a:latin typeface="Consolas" panose="020B0609020204030204" pitchFamily="49" charset="0"/>
-                <a:ea typeface="M+ 2p" panose="020B0503020203020204" pitchFamily="50" charset="-128"/>
-                <a:cs typeface="Cascadia Code" panose="020B0609020000020004" pitchFamily="49" charset="0"/>
-              </a:rPr>
               <a:t>    }</a:t>
             </a:r>
-            <a:br>
-              <a:rPr lang="en-US" altLang="ja-JP" dirty="0">
-                <a:solidFill>
-                  <a:srgbClr val="68615E"/>
-                </a:solidFill>
-                <a:latin typeface="Consolas" panose="020B0609020204030204" pitchFamily="49" charset="0"/>
-                <a:ea typeface="M+ 2p" panose="020B0503020203020204" pitchFamily="50" charset="-128"/>
-                <a:cs typeface="Cascadia Code" panose="020B0609020000020004" pitchFamily="49" charset="0"/>
-              </a:rPr>
-            </a:br>
+          </a:p>
+          <a:p>
             <a:r>
               <a:rPr lang="en-US" altLang="ja-JP" dirty="0">
                 <a:solidFill>
@@ -7698,7 +7658,7 @@
                 <a:ea typeface="M+ 2p" panose="020B0503020203020204" pitchFamily="50" charset="-128"/>
                 <a:cs typeface="Cascadia Code" panose="020B0609020000020004" pitchFamily="49" charset="0"/>
               </a:rPr>
-              <a:t>1</a:t>
+              <a:t>6</a:t>
             </a:r>
             <a:r>
               <a:rPr lang="en-US" altLang="ja-JP" dirty="0">
@@ -8208,8 +8168,8 @@
         </p:nvCxnSpPr>
         <p:spPr>
           <a:xfrm>
-            <a:off x="1818559" y="4457009"/>
-            <a:ext cx="1923017" cy="0"/>
+            <a:off x="1840109" y="4776188"/>
+            <a:ext cx="2800902" cy="0"/>
           </a:xfrm>
           <a:prstGeom prst="line">
             <a:avLst/>
@@ -8252,8 +8212,8 @@
         </p:nvCxnSpPr>
         <p:spPr>
           <a:xfrm>
-            <a:off x="1818559" y="5001736"/>
-            <a:ext cx="974433" cy="0"/>
+            <a:off x="1840109" y="4488289"/>
+            <a:ext cx="1015234" cy="0"/>
           </a:xfrm>
           <a:prstGeom prst="line">
             <a:avLst/>
@@ -8386,50 +8346,6 @@
           <a:xfrm>
             <a:off x="1362269" y="3639026"/>
             <a:ext cx="1737359" cy="0"/>
-          </a:xfrm>
-          <a:prstGeom prst="line">
-            <a:avLst/>
-          </a:prstGeom>
-          <a:ln w="38100">
-            <a:solidFill>
-              <a:srgbClr val="DF5320"/>
-            </a:solidFill>
-            <a:prstDash val="sysDash"/>
-          </a:ln>
-        </p:spPr>
-        <p:style>
-          <a:lnRef idx="1">
-            <a:schemeClr val="accent1"/>
-          </a:lnRef>
-          <a:fillRef idx="0">
-            <a:schemeClr val="accent1"/>
-          </a:fillRef>
-          <a:effectRef idx="0">
-            <a:schemeClr val="accent1"/>
-          </a:effectRef>
-          <a:fontRef idx="minor">
-            <a:schemeClr val="tx1"/>
-          </a:fontRef>
-        </p:style>
-      </p:cxnSp>
-      <p:cxnSp>
-        <p:nvCxnSpPr>
-          <p:cNvPr id="28" name="直線コネクタ 27">
-            <a:extLst>
-              <a:ext uri="{FF2B5EF4-FFF2-40B4-BE49-F238E27FC236}">
-                <a16:creationId xmlns:a16="http://schemas.microsoft.com/office/drawing/2014/main" id="{17002EFD-907D-4302-BB86-368DE46D2C93}"/>
-              </a:ext>
-            </a:extLst>
-          </p:cNvPr>
-          <p:cNvCxnSpPr>
-            <a:cxnSpLocks/>
-          </p:cNvCxnSpPr>
-          <p:nvPr/>
-        </p:nvCxnSpPr>
-        <p:spPr>
-          <a:xfrm>
-            <a:off x="2283271" y="4734259"/>
-            <a:ext cx="730517" cy="0"/>
           </a:xfrm>
           <a:prstGeom prst="line">
             <a:avLst/>
